--- a/FOML_215_PPT.pptx
+++ b/FOML_215_PPT.pptx
@@ -210,7 +210,7 @@
           <a:p>
             <a:fld id="{319E05D0-A421-4EF3-8512-AD1148C82550}" type="datetimeFigureOut">
               <a:rPr lang="en-IN" smtClean="0"/>
-              <a:t>08-05-2025</a:t>
+              <a:t>09-05-2025</a:t>
             </a:fld>
             <a:endParaRPr lang="en-IN"/>
           </a:p>
@@ -5397,35 +5397,6 @@
       </p:sp>
       <p:sp>
         <p:nvSpPr>
-          <p:cNvPr id="4" name="Date Placeholder 3">
-            <a:extLst>
-              <a:ext uri="{FF2B5EF4-FFF2-40B4-BE49-F238E27FC236}">
-                <a16:creationId xmlns:a16="http://schemas.microsoft.com/office/drawing/2014/main" id="{CC6BF262-39B7-44AE-AD50-07784ABF600F}"/>
-              </a:ext>
-            </a:extLst>
-          </p:cNvPr>
-          <p:cNvSpPr>
-            <a:spLocks noGrp="1"/>
-          </p:cNvSpPr>
-          <p:nvPr>
-            <p:ph type="dt" sz="half" idx="10"/>
-          </p:nvPr>
-        </p:nvSpPr>
-        <p:spPr/>
-        <p:txBody>
-          <a:bodyPr/>
-          <a:lstStyle/>
-          <a:p>
-            <a:r>
-              <a:rPr lang="en-US"/>
-              <a:t>Second Review</a:t>
-            </a:r>
-            <a:endParaRPr lang="en-IN"/>
-          </a:p>
-        </p:txBody>
-      </p:sp>
-      <p:sp>
-        <p:nvSpPr>
           <p:cNvPr id="5" name="Footer Placeholder 4">
             <a:extLst>
               <a:ext uri="{FF2B5EF4-FFF2-40B4-BE49-F238E27FC236}">
@@ -5987,35 +5958,6 @@
       </p:sp>
       <p:sp>
         <p:nvSpPr>
-          <p:cNvPr id="4" name="Date Placeholder 3">
-            <a:extLst>
-              <a:ext uri="{FF2B5EF4-FFF2-40B4-BE49-F238E27FC236}">
-                <a16:creationId xmlns:a16="http://schemas.microsoft.com/office/drawing/2014/main" id="{CC6BF262-39B7-44AE-AD50-07784ABF600F}"/>
-              </a:ext>
-            </a:extLst>
-          </p:cNvPr>
-          <p:cNvSpPr>
-            <a:spLocks noGrp="1"/>
-          </p:cNvSpPr>
-          <p:nvPr>
-            <p:ph type="dt" sz="half" idx="10"/>
-          </p:nvPr>
-        </p:nvSpPr>
-        <p:spPr/>
-        <p:txBody>
-          <a:bodyPr/>
-          <a:lstStyle/>
-          <a:p>
-            <a:r>
-              <a:rPr lang="en-US"/>
-              <a:t>Second Review</a:t>
-            </a:r>
-            <a:endParaRPr lang="en-IN"/>
-          </a:p>
-        </p:txBody>
-      </p:sp>
-      <p:sp>
-        <p:nvSpPr>
           <p:cNvPr id="5" name="Footer Placeholder 4">
             <a:extLst>
               <a:ext uri="{FF2B5EF4-FFF2-40B4-BE49-F238E27FC236}">
@@ -6499,35 +6441,6 @@
       </p:sp>
       <p:sp>
         <p:nvSpPr>
-          <p:cNvPr id="4" name="Date Placeholder 3">
-            <a:extLst>
-              <a:ext uri="{FF2B5EF4-FFF2-40B4-BE49-F238E27FC236}">
-                <a16:creationId xmlns:a16="http://schemas.microsoft.com/office/drawing/2014/main" id="{CC6BF262-39B7-44AE-AD50-07784ABF600F}"/>
-              </a:ext>
-            </a:extLst>
-          </p:cNvPr>
-          <p:cNvSpPr>
-            <a:spLocks noGrp="1"/>
-          </p:cNvSpPr>
-          <p:nvPr>
-            <p:ph type="dt" sz="half" idx="10"/>
-          </p:nvPr>
-        </p:nvSpPr>
-        <p:spPr/>
-        <p:txBody>
-          <a:bodyPr/>
-          <a:lstStyle/>
-          <a:p>
-            <a:r>
-              <a:rPr lang="en-US"/>
-              <a:t>Second Review</a:t>
-            </a:r>
-            <a:endParaRPr lang="en-IN"/>
-          </a:p>
-        </p:txBody>
-      </p:sp>
-      <p:sp>
-        <p:nvSpPr>
           <p:cNvPr id="5" name="Footer Placeholder 4">
             <a:extLst>
               <a:ext uri="{FF2B5EF4-FFF2-40B4-BE49-F238E27FC236}">
@@ -6738,35 +6651,6 @@
       </p:sp>
       <p:sp>
         <p:nvSpPr>
-          <p:cNvPr id="4" name="Date Placeholder 3">
-            <a:extLst>
-              <a:ext uri="{FF2B5EF4-FFF2-40B4-BE49-F238E27FC236}">
-                <a16:creationId xmlns:a16="http://schemas.microsoft.com/office/drawing/2014/main" id="{CC6BF262-39B7-44AE-AD50-07784ABF600F}"/>
-              </a:ext>
-            </a:extLst>
-          </p:cNvPr>
-          <p:cNvSpPr>
-            <a:spLocks noGrp="1"/>
-          </p:cNvSpPr>
-          <p:nvPr>
-            <p:ph type="dt" sz="half" idx="10"/>
-          </p:nvPr>
-        </p:nvSpPr>
-        <p:spPr/>
-        <p:txBody>
-          <a:bodyPr/>
-          <a:lstStyle/>
-          <a:p>
-            <a:r>
-              <a:rPr lang="en-US"/>
-              <a:t>Second Review</a:t>
-            </a:r>
-            <a:endParaRPr lang="en-IN"/>
-          </a:p>
-        </p:txBody>
-      </p:sp>
-      <p:sp>
-        <p:nvSpPr>
           <p:cNvPr id="5" name="Footer Placeholder 4">
             <a:extLst>
               <a:ext uri="{FF2B5EF4-FFF2-40B4-BE49-F238E27FC236}">
@@ -6955,37 +6839,6 @@
               <a:t>14</a:t>
             </a:fld>
             <a:endParaRPr lang="en-US" altLang="en-US" dirty="0"/>
-          </a:p>
-        </p:txBody>
-      </p:sp>
-      <p:sp>
-        <p:nvSpPr>
-          <p:cNvPr id="5" name="Date Placeholder 4">
-            <a:extLst>
-              <a:ext uri="{FF2B5EF4-FFF2-40B4-BE49-F238E27FC236}">
-                <a16:creationId xmlns:a16="http://schemas.microsoft.com/office/drawing/2014/main" id="{09920C7D-BD2C-F059-5056-8B99F4B27643}"/>
-              </a:ext>
-            </a:extLst>
-          </p:cNvPr>
-          <p:cNvSpPr>
-            <a:spLocks noGrp="1"/>
-          </p:cNvSpPr>
-          <p:nvPr>
-            <p:ph type="dt" sz="half" idx="10"/>
-          </p:nvPr>
-        </p:nvSpPr>
-        <p:spPr/>
-        <p:txBody>
-          <a:bodyPr/>
-          <a:lstStyle/>
-          <a:p>
-            <a:pPr>
-              <a:defRPr/>
-            </a:pPr>
-            <a:r>
-              <a:rPr lang="en-US"/>
-              <a:t>Second Review</a:t>
-            </a:r>
           </a:p>
         </p:txBody>
       </p:sp>
@@ -7319,35 +7172,6 @@
       </p:sp>
       <p:sp>
         <p:nvSpPr>
-          <p:cNvPr id="4" name="Date Placeholder 3">
-            <a:extLst>
-              <a:ext uri="{FF2B5EF4-FFF2-40B4-BE49-F238E27FC236}">
-                <a16:creationId xmlns:a16="http://schemas.microsoft.com/office/drawing/2014/main" id="{CC6BF262-39B7-44AE-AD50-07784ABF600F}"/>
-              </a:ext>
-            </a:extLst>
-          </p:cNvPr>
-          <p:cNvSpPr>
-            <a:spLocks noGrp="1"/>
-          </p:cNvSpPr>
-          <p:nvPr>
-            <p:ph type="dt" sz="half" idx="10"/>
-          </p:nvPr>
-        </p:nvSpPr>
-        <p:spPr/>
-        <p:txBody>
-          <a:bodyPr/>
-          <a:lstStyle/>
-          <a:p>
-            <a:r>
-              <a:rPr lang="en-US" dirty="0"/>
-              <a:t>Second Review</a:t>
-            </a:r>
-            <a:endParaRPr lang="en-IN" dirty="0"/>
-          </a:p>
-        </p:txBody>
-      </p:sp>
-      <p:sp>
-        <p:nvSpPr>
           <p:cNvPr id="5" name="Footer Placeholder 4">
             <a:extLst>
               <a:ext uri="{FF2B5EF4-FFF2-40B4-BE49-F238E27FC236}">
@@ -7740,35 +7564,6 @@
               <a:latin typeface="Times New Roman" panose="02020603050405020304" pitchFamily="18" charset="0"/>
               <a:cs typeface="Times New Roman" panose="02020603050405020304" pitchFamily="18" charset="0"/>
             </a:endParaRPr>
-          </a:p>
-        </p:txBody>
-      </p:sp>
-      <p:sp>
-        <p:nvSpPr>
-          <p:cNvPr id="4" name="Date Placeholder 3">
-            <a:extLst>
-              <a:ext uri="{FF2B5EF4-FFF2-40B4-BE49-F238E27FC236}">
-                <a16:creationId xmlns:a16="http://schemas.microsoft.com/office/drawing/2014/main" id="{CC6BF262-39B7-44AE-AD50-07784ABF600F}"/>
-              </a:ext>
-            </a:extLst>
-          </p:cNvPr>
-          <p:cNvSpPr>
-            <a:spLocks noGrp="1"/>
-          </p:cNvSpPr>
-          <p:nvPr>
-            <p:ph type="dt" sz="half" idx="10"/>
-          </p:nvPr>
-        </p:nvSpPr>
-        <p:spPr/>
-        <p:txBody>
-          <a:bodyPr/>
-          <a:lstStyle/>
-          <a:p>
-            <a:r>
-              <a:rPr lang="en-US" dirty="0"/>
-              <a:t>Second Review</a:t>
-            </a:r>
-            <a:endParaRPr lang="en-IN" dirty="0"/>
           </a:p>
         </p:txBody>
       </p:sp>
@@ -8149,35 +7944,6 @@
       </p:sp>
       <p:sp>
         <p:nvSpPr>
-          <p:cNvPr id="4" name="Date Placeholder 3">
-            <a:extLst>
-              <a:ext uri="{FF2B5EF4-FFF2-40B4-BE49-F238E27FC236}">
-                <a16:creationId xmlns:a16="http://schemas.microsoft.com/office/drawing/2014/main" id="{CC6BF262-39B7-44AE-AD50-07784ABF600F}"/>
-              </a:ext>
-            </a:extLst>
-          </p:cNvPr>
-          <p:cNvSpPr>
-            <a:spLocks noGrp="1"/>
-          </p:cNvSpPr>
-          <p:nvPr>
-            <p:ph type="dt" sz="half" idx="10"/>
-          </p:nvPr>
-        </p:nvSpPr>
-        <p:spPr/>
-        <p:txBody>
-          <a:bodyPr/>
-          <a:lstStyle/>
-          <a:p>
-            <a:r>
-              <a:rPr lang="en-US" dirty="0"/>
-              <a:t>Second Review</a:t>
-            </a:r>
-            <a:endParaRPr lang="en-IN" dirty="0"/>
-          </a:p>
-        </p:txBody>
-      </p:sp>
-      <p:sp>
-        <p:nvSpPr>
           <p:cNvPr id="5" name="Footer Placeholder 4">
             <a:extLst>
               <a:ext uri="{FF2B5EF4-FFF2-40B4-BE49-F238E27FC236}">
@@ -8617,35 +8383,6 @@
       </p:sp>
       <p:sp>
         <p:nvSpPr>
-          <p:cNvPr id="4" name="Date Placeholder 3">
-            <a:extLst>
-              <a:ext uri="{FF2B5EF4-FFF2-40B4-BE49-F238E27FC236}">
-                <a16:creationId xmlns:a16="http://schemas.microsoft.com/office/drawing/2014/main" id="{CC6BF262-39B7-44AE-AD50-07784ABF600F}"/>
-              </a:ext>
-            </a:extLst>
-          </p:cNvPr>
-          <p:cNvSpPr>
-            <a:spLocks noGrp="1"/>
-          </p:cNvSpPr>
-          <p:nvPr>
-            <p:ph type="dt" sz="half" idx="10"/>
-          </p:nvPr>
-        </p:nvSpPr>
-        <p:spPr/>
-        <p:txBody>
-          <a:bodyPr/>
-          <a:lstStyle/>
-          <a:p>
-            <a:r>
-              <a:rPr lang="en-US"/>
-              <a:t>Second Review</a:t>
-            </a:r>
-            <a:endParaRPr lang="en-IN"/>
-          </a:p>
-        </p:txBody>
-      </p:sp>
-      <p:sp>
-        <p:nvSpPr>
           <p:cNvPr id="5" name="Footer Placeholder 4">
             <a:extLst>
               <a:ext uri="{FF2B5EF4-FFF2-40B4-BE49-F238E27FC236}">
@@ -9060,35 +8797,6 @@
       </p:sp>
       <p:sp>
         <p:nvSpPr>
-          <p:cNvPr id="4" name="Date Placeholder 3">
-            <a:extLst>
-              <a:ext uri="{FF2B5EF4-FFF2-40B4-BE49-F238E27FC236}">
-                <a16:creationId xmlns:a16="http://schemas.microsoft.com/office/drawing/2014/main" id="{CC6BF262-39B7-44AE-AD50-07784ABF600F}"/>
-              </a:ext>
-            </a:extLst>
-          </p:cNvPr>
-          <p:cNvSpPr>
-            <a:spLocks noGrp="1"/>
-          </p:cNvSpPr>
-          <p:nvPr>
-            <p:ph type="dt" sz="half" idx="10"/>
-          </p:nvPr>
-        </p:nvSpPr>
-        <p:spPr/>
-        <p:txBody>
-          <a:bodyPr/>
-          <a:lstStyle/>
-          <a:p>
-            <a:r>
-              <a:rPr lang="en-US"/>
-              <a:t>Zeroth Review</a:t>
-            </a:r>
-            <a:endParaRPr lang="en-IN"/>
-          </a:p>
-        </p:txBody>
-      </p:sp>
-      <p:sp>
-        <p:nvSpPr>
           <p:cNvPr id="5" name="Footer Placeholder 4">
             <a:extLst>
               <a:ext uri="{FF2B5EF4-FFF2-40B4-BE49-F238E27FC236}">
@@ -9470,35 +9178,6 @@
               <a:buNone/>
             </a:pPr>
             <a:endParaRPr lang="en-IN" dirty="0"/>
-          </a:p>
-        </p:txBody>
-      </p:sp>
-      <p:sp>
-        <p:nvSpPr>
-          <p:cNvPr id="4" name="Date Placeholder 3">
-            <a:extLst>
-              <a:ext uri="{FF2B5EF4-FFF2-40B4-BE49-F238E27FC236}">
-                <a16:creationId xmlns:a16="http://schemas.microsoft.com/office/drawing/2014/main" id="{CC6BF262-39B7-44AE-AD50-07784ABF600F}"/>
-              </a:ext>
-            </a:extLst>
-          </p:cNvPr>
-          <p:cNvSpPr>
-            <a:spLocks noGrp="1"/>
-          </p:cNvSpPr>
-          <p:nvPr>
-            <p:ph type="dt" sz="half" idx="10"/>
-          </p:nvPr>
-        </p:nvSpPr>
-        <p:spPr/>
-        <p:txBody>
-          <a:bodyPr/>
-          <a:lstStyle/>
-          <a:p>
-            <a:r>
-              <a:rPr lang="en-US"/>
-              <a:t>Second Review</a:t>
-            </a:r>
-            <a:endParaRPr lang="en-IN"/>
           </a:p>
         </p:txBody>
       </p:sp>
@@ -9658,7 +9337,7 @@
                   <a:srgbClr val="FF0000"/>
                 </a:solidFill>
               </a:rPr>
-              <a:t>List of Modules</a:t>
+              <a:t>List of Frameworks</a:t>
             </a:r>
             <a:endParaRPr lang="en-IN" sz="2800" dirty="0"/>
           </a:p>
@@ -10081,35 +9760,6 @@
               <a:latin typeface="Times New Roman" panose="02020603050405020304" pitchFamily="18" charset="0"/>
               <a:cs typeface="Times New Roman" panose="02020603050405020304" pitchFamily="18" charset="0"/>
             </a:endParaRPr>
-          </a:p>
-        </p:txBody>
-      </p:sp>
-      <p:sp>
-        <p:nvSpPr>
-          <p:cNvPr id="4" name="Date Placeholder 3">
-            <a:extLst>
-              <a:ext uri="{FF2B5EF4-FFF2-40B4-BE49-F238E27FC236}">
-                <a16:creationId xmlns:a16="http://schemas.microsoft.com/office/drawing/2014/main" id="{CC6BF262-39B7-44AE-AD50-07784ABF600F}"/>
-              </a:ext>
-            </a:extLst>
-          </p:cNvPr>
-          <p:cNvSpPr>
-            <a:spLocks noGrp="1"/>
-          </p:cNvSpPr>
-          <p:nvPr>
-            <p:ph type="dt" sz="half" idx="10"/>
-          </p:nvPr>
-        </p:nvSpPr>
-        <p:spPr/>
-        <p:txBody>
-          <a:bodyPr/>
-          <a:lstStyle/>
-          <a:p>
-            <a:r>
-              <a:rPr lang="en-US"/>
-              <a:t>Second Review</a:t>
-            </a:r>
-            <a:endParaRPr lang="en-IN"/>
           </a:p>
         </p:txBody>
       </p:sp>
@@ -10523,35 +10173,6 @@
               <a:latin typeface="Times New Roman" panose="02020603050405020304" pitchFamily="18" charset="0"/>
               <a:cs typeface="Times New Roman" panose="02020603050405020304" pitchFamily="18" charset="0"/>
             </a:endParaRPr>
-          </a:p>
-        </p:txBody>
-      </p:sp>
-      <p:sp>
-        <p:nvSpPr>
-          <p:cNvPr id="4" name="Date Placeholder 3">
-            <a:extLst>
-              <a:ext uri="{FF2B5EF4-FFF2-40B4-BE49-F238E27FC236}">
-                <a16:creationId xmlns:a16="http://schemas.microsoft.com/office/drawing/2014/main" id="{CC6BF262-39B7-44AE-AD50-07784ABF600F}"/>
-              </a:ext>
-            </a:extLst>
-          </p:cNvPr>
-          <p:cNvSpPr>
-            <a:spLocks noGrp="1"/>
-          </p:cNvSpPr>
-          <p:nvPr>
-            <p:ph type="dt" sz="half" idx="10"/>
-          </p:nvPr>
-        </p:nvSpPr>
-        <p:spPr/>
-        <p:txBody>
-          <a:bodyPr/>
-          <a:lstStyle/>
-          <a:p>
-            <a:r>
-              <a:rPr lang="en-US"/>
-              <a:t>Second Review</a:t>
-            </a:r>
-            <a:endParaRPr lang="en-IN"/>
           </a:p>
         </p:txBody>
       </p:sp>
